--- a/mariam/Dijkstra.pptx
+++ b/mariam/Dijkstra.pptx
@@ -6,9 +6,8 @@
   </p:sldMasterIdLst>
   <p:sldIdLst>
     <p:sldId id="256" r:id="rId2"/>
-    <p:sldId id="257" r:id="rId3"/>
-    <p:sldId id="258" r:id="rId4"/>
-    <p:sldId id="260" r:id="rId5"/>
+    <p:sldId id="258" r:id="rId3"/>
+    <p:sldId id="260" r:id="rId4"/>
   </p:sldIdLst>
   <p:sldSz cx="12192000" cy="6858000"/>
   <p:notesSz cx="6858000" cy="9144000"/>
@@ -107,6 +106,11 @@
       </a:defRPr>
     </a:lvl9pPr>
   </p:defaultTextStyle>
+  <p:extLst>
+    <p:ext uri="{EFAFB233-063F-42B5-8137-9DF3F51BA10A}">
+      <p15:sldGuideLst xmlns:p15="http://schemas.microsoft.com/office/powerpoint/2012/main"/>
+    </p:ext>
+  </p:extLst>
 </p:presentation>
 </file>
 
@@ -572,7 +576,7 @@
           <a:p>
             <a:fld id="{B8270B47-487A-4BA6-8796-29E6D0C39A7D}" type="datetimeFigureOut">
               <a:rPr lang="en-US" smtClean="0"/>
-              <a:t>6/16/2023</a:t>
+              <a:t>6/17/2023</a:t>
             </a:fld>
             <a:endParaRPr lang="en-US"/>
           </a:p>
@@ -774,7 +778,7 @@
           <a:p>
             <a:fld id="{B8270B47-487A-4BA6-8796-29E6D0C39A7D}" type="datetimeFigureOut">
               <a:rPr lang="en-US" smtClean="0"/>
-              <a:t>6/16/2023</a:t>
+              <a:t>6/17/2023</a:t>
             </a:fld>
             <a:endParaRPr lang="en-US"/>
           </a:p>
@@ -954,7 +958,7 @@
           <a:p>
             <a:fld id="{B8270B47-487A-4BA6-8796-29E6D0C39A7D}" type="datetimeFigureOut">
               <a:rPr lang="en-US" smtClean="0"/>
-              <a:t>6/16/2023</a:t>
+              <a:t>6/17/2023</a:t>
             </a:fld>
             <a:endParaRPr lang="en-US"/>
           </a:p>
@@ -1124,7 +1128,7 @@
           <a:p>
             <a:fld id="{B8270B47-487A-4BA6-8796-29E6D0C39A7D}" type="datetimeFigureOut">
               <a:rPr lang="en-US" smtClean="0"/>
-              <a:t>6/16/2023</a:t>
+              <a:t>6/17/2023</a:t>
             </a:fld>
             <a:endParaRPr lang="en-US"/>
           </a:p>
@@ -1695,7 +1699,7 @@
           <a:p>
             <a:fld id="{B8270B47-487A-4BA6-8796-29E6D0C39A7D}" type="datetimeFigureOut">
               <a:rPr lang="en-US" smtClean="0"/>
-              <a:t>6/16/2023</a:t>
+              <a:t>6/17/2023</a:t>
             </a:fld>
             <a:endParaRPr lang="en-US"/>
           </a:p>
@@ -1997,7 +2001,7 @@
           <a:p>
             <a:fld id="{B8270B47-487A-4BA6-8796-29E6D0C39A7D}" type="datetimeFigureOut">
               <a:rPr lang="en-US" smtClean="0"/>
-              <a:t>6/16/2023</a:t>
+              <a:t>6/17/2023</a:t>
             </a:fld>
             <a:endParaRPr lang="en-US"/>
           </a:p>
@@ -2434,7 +2438,7 @@
           <a:p>
             <a:fld id="{B8270B47-487A-4BA6-8796-29E6D0C39A7D}" type="datetimeFigureOut">
               <a:rPr lang="en-US" smtClean="0"/>
-              <a:t>6/16/2023</a:t>
+              <a:t>6/17/2023</a:t>
             </a:fld>
             <a:endParaRPr lang="en-US"/>
           </a:p>
@@ -2552,7 +2556,7 @@
           <a:p>
             <a:fld id="{B8270B47-487A-4BA6-8796-29E6D0C39A7D}" type="datetimeFigureOut">
               <a:rPr lang="en-US" smtClean="0"/>
-              <a:t>6/16/2023</a:t>
+              <a:t>6/17/2023</a:t>
             </a:fld>
             <a:endParaRPr lang="en-US"/>
           </a:p>
@@ -2647,7 +2651,7 @@
           <a:p>
             <a:fld id="{B8270B47-487A-4BA6-8796-29E6D0C39A7D}" type="datetimeFigureOut">
               <a:rPr lang="en-US" smtClean="0"/>
-              <a:t>6/16/2023</a:t>
+              <a:t>6/17/2023</a:t>
             </a:fld>
             <a:endParaRPr lang="en-US"/>
           </a:p>
@@ -3029,7 +3033,7 @@
           <a:p>
             <a:fld id="{B8270B47-487A-4BA6-8796-29E6D0C39A7D}" type="datetimeFigureOut">
               <a:rPr lang="en-US" smtClean="0"/>
-              <a:t>6/16/2023</a:t>
+              <a:t>6/17/2023</a:t>
             </a:fld>
             <a:endParaRPr lang="en-US"/>
           </a:p>
@@ -3423,7 +3427,7 @@
           <a:p>
             <a:fld id="{B8270B47-487A-4BA6-8796-29E6D0C39A7D}" type="datetimeFigureOut">
               <a:rPr lang="en-US" smtClean="0"/>
-              <a:t>6/16/2023</a:t>
+              <a:t>6/17/2023</a:t>
             </a:fld>
             <a:endParaRPr lang="en-US"/>
           </a:p>
@@ -3736,7 +3740,7 @@
           <a:p>
             <a:fld id="{B8270B47-487A-4BA6-8796-29E6D0C39A7D}" type="datetimeFigureOut">
               <a:rPr lang="en-US" smtClean="0"/>
-              <a:t>6/16/2023</a:t>
+              <a:t>6/17/2023</a:t>
             </a:fld>
             <a:endParaRPr lang="en-US"/>
           </a:p>
@@ -4272,189 +4276,6 @@
           <p:cNvPr id="2" name="Title 1">
             <a:extLst>
               <a:ext uri="{FF2B5EF4-FFF2-40B4-BE49-F238E27FC236}">
-                <a16:creationId xmlns:a16="http://schemas.microsoft.com/office/drawing/2014/main" id="{6CB2980C-1766-FD92-AE48-9D9C2ECB8840}"/>
-              </a:ext>
-            </a:extLst>
-          </p:cNvPr>
-          <p:cNvSpPr>
-            <a:spLocks noGrp="1"/>
-          </p:cNvSpPr>
-          <p:nvPr>
-            <p:ph type="title"/>
-          </p:nvPr>
-        </p:nvSpPr>
-        <p:spPr/>
-        <p:txBody>
-          <a:bodyPr>
-            <a:normAutofit fontScale="90000"/>
-          </a:bodyPr>
-          <a:lstStyle/>
-          <a:p>
-            <a:r>
-              <a:rPr lang="en-US" sz="4800" b="1" dirty="0">
-                <a:effectLst/>
-                <a:latin typeface="Times New Roman" panose="02020603050405020304" pitchFamily="18" charset="0"/>
-                <a:ea typeface="Calibri" panose="020F0502020204030204" pitchFamily="34" charset="0"/>
-                <a:cs typeface="Arial" panose="020B0604020202020204" pitchFamily="34" charset="0"/>
-              </a:rPr>
-              <a:t>Dijkstra shortest path algorithm using Prim’s Algorithm in O(V</a:t>
-            </a:r>
-            <a:r>
-              <a:rPr lang="en-US" sz="4800" b="1" baseline="30000" dirty="0">
-                <a:effectLst/>
-                <a:latin typeface="Times New Roman" panose="02020603050405020304" pitchFamily="18" charset="0"/>
-                <a:ea typeface="Calibri" panose="020F0502020204030204" pitchFamily="34" charset="0"/>
-                <a:cs typeface="Arial" panose="020B0604020202020204" pitchFamily="34" charset="0"/>
-              </a:rPr>
-              <a:t>2</a:t>
-            </a:r>
-            <a:r>
-              <a:rPr lang="en-US" sz="4800" b="1" dirty="0">
-                <a:effectLst/>
-                <a:latin typeface="Times New Roman" panose="02020603050405020304" pitchFamily="18" charset="0"/>
-                <a:ea typeface="Calibri" panose="020F0502020204030204" pitchFamily="34" charset="0"/>
-                <a:cs typeface="Arial" panose="020B0604020202020204" pitchFamily="34" charset="0"/>
-              </a:rPr>
-              <a:t>):</a:t>
-            </a:r>
-            <a:endParaRPr lang="en-US" dirty="0"/>
-          </a:p>
-        </p:txBody>
-      </p:sp>
-      <p:sp>
-        <p:nvSpPr>
-          <p:cNvPr id="3" name="Content Placeholder 2">
-            <a:extLst>
-              <a:ext uri="{FF2B5EF4-FFF2-40B4-BE49-F238E27FC236}">
-                <a16:creationId xmlns:a16="http://schemas.microsoft.com/office/drawing/2014/main" id="{804E88C4-F87B-0103-1139-CA101DF42D9F}"/>
-              </a:ext>
-            </a:extLst>
-          </p:cNvPr>
-          <p:cNvSpPr>
-            <a:spLocks noGrp="1"/>
-          </p:cNvSpPr>
-          <p:nvPr>
-            <p:ph idx="1"/>
-          </p:nvPr>
-        </p:nvSpPr>
-        <p:spPr/>
-        <p:txBody>
-          <a:bodyPr>
-            <a:normAutofit/>
-          </a:bodyPr>
-          <a:lstStyle/>
-          <a:p>
-            <a:pPr marL="0" marR="0" indent="155575" algn="just">
-              <a:spcBef>
-                <a:spcPts val="0"/>
-              </a:spcBef>
-              <a:spcAft>
-                <a:spcPts val="1200"/>
-              </a:spcAft>
-            </a:pPr>
-            <a:r>
-              <a:rPr lang="en-US" sz="2800" i="1" dirty="0">
-                <a:effectLst/>
-                <a:latin typeface="Times New Roman" panose="02020603050405020304" pitchFamily="18" charset="0"/>
-                <a:ea typeface="Calibri" panose="020F0502020204030204" pitchFamily="34" charset="0"/>
-                <a:cs typeface="Arial" panose="020B0604020202020204" pitchFamily="34" charset="0"/>
-              </a:rPr>
-              <a:t>Dijkstra’s algorithm is very similar to </a:t>
-            </a:r>
-            <a:r>
-              <a:rPr lang="en-US" sz="2800" i="1" u="sng" dirty="0">
-                <a:solidFill>
-                  <a:srgbClr val="0000FF"/>
-                </a:solidFill>
-                <a:effectLst/>
-                <a:latin typeface="Times New Roman" panose="02020603050405020304" pitchFamily="18" charset="0"/>
-                <a:ea typeface="Calibri" panose="020F0502020204030204" pitchFamily="34" charset="0"/>
-                <a:cs typeface="Arial" panose="020B0604020202020204" pitchFamily="34" charset="0"/>
-                <a:hlinkClick r:id="rId2"/>
-              </a:rPr>
-              <a:t>Prim’s algorithm for minimum spanning tree</a:t>
-            </a:r>
-            <a:r>
-              <a:rPr lang="en-US" sz="2800" i="1" dirty="0">
-                <a:effectLst/>
-                <a:latin typeface="Times New Roman" panose="02020603050405020304" pitchFamily="18" charset="0"/>
-                <a:ea typeface="Calibri" panose="020F0502020204030204" pitchFamily="34" charset="0"/>
-                <a:cs typeface="Arial" panose="020B0604020202020204" pitchFamily="34" charset="0"/>
-              </a:rPr>
-              <a:t>. </a:t>
-            </a:r>
-            <a:endParaRPr lang="en-US" sz="2800" dirty="0">
-              <a:effectLst/>
-              <a:latin typeface="Times New Roman" panose="02020603050405020304" pitchFamily="18" charset="0"/>
-              <a:ea typeface="Calibri" panose="020F0502020204030204" pitchFamily="34" charset="0"/>
-              <a:cs typeface="Arial" panose="020B0604020202020204" pitchFamily="34" charset="0"/>
-            </a:endParaRPr>
-          </a:p>
-          <a:p>
-            <a:pPr marL="0" marR="0" indent="155575" algn="just">
-              <a:spcBef>
-                <a:spcPts val="0"/>
-              </a:spcBef>
-              <a:spcAft>
-                <a:spcPts val="1200"/>
-              </a:spcAft>
-            </a:pPr>
-            <a:r>
-              <a:rPr lang="en-US" sz="2800" i="1" dirty="0">
-                <a:effectLst/>
-                <a:latin typeface="Times New Roman" panose="02020603050405020304" pitchFamily="18" charset="0"/>
-                <a:ea typeface="Calibri" panose="020F0502020204030204" pitchFamily="34" charset="0"/>
-                <a:cs typeface="Arial" panose="020B0604020202020204" pitchFamily="34" charset="0"/>
-              </a:rPr>
-              <a:t>Like Prim’s MST, generate a SPT (shortest path tree) with a given source as a root. Maintain two sets, one set contains vertices included in the shortest-path tree, other set includes vertices not yet included in the shortest-path tree. At every step of the algorithm, find a vertex that is in the other set (set not yet included) and has a minimum distance from the source.</a:t>
-            </a:r>
-            <a:endParaRPr lang="en-US" sz="2800" dirty="0">
-              <a:effectLst/>
-              <a:latin typeface="Times New Roman" panose="02020603050405020304" pitchFamily="18" charset="0"/>
-              <a:ea typeface="Calibri" panose="020F0502020204030204" pitchFamily="34" charset="0"/>
-              <a:cs typeface="Arial" panose="020B0604020202020204" pitchFamily="34" charset="0"/>
-            </a:endParaRPr>
-          </a:p>
-          <a:p>
-            <a:endParaRPr lang="en-US" sz="2800" dirty="0"/>
-          </a:p>
-        </p:txBody>
-      </p:sp>
-    </p:spTree>
-    <p:extLst>
-      <p:ext uri="{BB962C8B-B14F-4D97-AF65-F5344CB8AC3E}">
-        <p14:creationId xmlns:p14="http://schemas.microsoft.com/office/powerpoint/2010/main" val="3967779753"/>
-      </p:ext>
-    </p:extLst>
-  </p:cSld>
-  <p:clrMapOvr>
-    <a:masterClrMapping/>
-  </p:clrMapOvr>
-</p:sld>
-</file>
-
-<file path=ppt/slides/slide3.xml><?xml version="1.0" encoding="utf-8"?>
-<p:sld xmlns:a="http://schemas.openxmlformats.org/drawingml/2006/main" xmlns:r="http://schemas.openxmlformats.org/officeDocument/2006/relationships" xmlns:p="http://schemas.openxmlformats.org/presentationml/2006/main">
-  <p:cSld>
-    <p:spTree>
-      <p:nvGrpSpPr>
-        <p:cNvPr id="1" name=""/>
-        <p:cNvGrpSpPr/>
-        <p:nvPr/>
-      </p:nvGrpSpPr>
-      <p:grpSpPr>
-        <a:xfrm>
-          <a:off x="0" y="0"/>
-          <a:ext cx="0" cy="0"/>
-          <a:chOff x="0" y="0"/>
-          <a:chExt cx="0" cy="0"/>
-        </a:xfrm>
-      </p:grpSpPr>
-      <p:sp>
-        <p:nvSpPr>
-          <p:cNvPr id="2" name="Title 1">
-            <a:extLst>
-              <a:ext uri="{FF2B5EF4-FFF2-40B4-BE49-F238E27FC236}">
                 <a16:creationId xmlns:a16="http://schemas.microsoft.com/office/drawing/2014/main" id="{8918CA90-F23C-0520-6EE6-28E4B6957D0F}"/>
               </a:ext>
             </a:extLst>
@@ -4843,7 +4664,7 @@
 </p:sld>
 </file>
 
-<file path=ppt/slides/slide4.xml><?xml version="1.0" encoding="utf-8"?>
+<file path=ppt/slides/slide3.xml><?xml version="1.0" encoding="utf-8"?>
 <p:sld xmlns:a="http://schemas.openxmlformats.org/drawingml/2006/main" xmlns:r="http://schemas.openxmlformats.org/officeDocument/2006/relationships" xmlns:p="http://schemas.openxmlformats.org/presentationml/2006/main">
   <p:cSld>
     <p:bg>
